--- a/SOFT_SKILLS/ETIQUETE_PPT/email.pptx
+++ b/SOFT_SKILLS/ETIQUETE_PPT/email.pptx
@@ -3369,7 +3369,7 @@
         </p:nvSpPr>
         <p:spPr>
           <a:xfrm>
-            <a:off x="4740607" y="1958839"/>
+            <a:off x="4740607" y="1781415"/>
             <a:ext cx="3120215" cy="769441"/>
           </a:xfrm>
           <a:prstGeom prst="rect">
@@ -3409,7 +3409,7 @@
         </p:nvSpPr>
         <p:spPr>
           <a:xfrm>
-            <a:off x="3756520" y="1393095"/>
+            <a:off x="3756520" y="1215671"/>
             <a:ext cx="4597074" cy="769441"/>
           </a:xfrm>
           <a:prstGeom prst="rect">
@@ -3451,7 +3451,7 @@
         </p:nvSpPr>
         <p:spPr>
           <a:xfrm>
-            <a:off x="1411405" y="2728280"/>
+            <a:off x="1411405" y="2550856"/>
             <a:ext cx="9369189" cy="3046988"/>
           </a:xfrm>
           <a:prstGeom prst="rect">
@@ -3579,7 +3579,7 @@
         </p:blipFill>
         <p:spPr bwMode="auto">
           <a:xfrm>
-            <a:off x="6726784" y="3848669"/>
+            <a:off x="6726784" y="3671245"/>
             <a:ext cx="3253619" cy="2043894"/>
           </a:xfrm>
           <a:prstGeom prst="rect">
